--- a/Documents/Review 2 ppt.pptx
+++ b/Documents/Review 2 ppt.pptx
@@ -5,7 +5,7 @@
     <p:sldMasterId id="2147483648" r:id="rId1"/>
   </p:sldMasterIdLst>
   <p:notesMasterIdLst>
-    <p:notesMasterId r:id="rId19"/>
+    <p:notesMasterId r:id="rId21"/>
   </p:notesMasterIdLst>
   <p:sldIdLst>
     <p:sldId id="256" r:id="rId2"/>
@@ -23,8 +23,10 @@
     <p:sldId id="273" r:id="rId14"/>
     <p:sldId id="277" r:id="rId15"/>
     <p:sldId id="274" r:id="rId16"/>
-    <p:sldId id="269" r:id="rId17"/>
-    <p:sldId id="276" r:id="rId18"/>
+    <p:sldId id="278" r:id="rId17"/>
+    <p:sldId id="279" r:id="rId18"/>
+    <p:sldId id="269" r:id="rId19"/>
+    <p:sldId id="276" r:id="rId20"/>
   </p:sldIdLst>
   <p:sldSz cx="9144000" cy="6858000" type="screen4x3"/>
   <p:notesSz cx="6858000" cy="9144000"/>
@@ -273,7 +275,7 @@
       </p15:sldGuideLst>
     </p:ext>
     <p:ext uri="http://customooxmlschemas.google.com/">
-      <go:slidesCustomData xmlns="" xmlns:mc="http://schemas.openxmlformats.org/markup-compatibility/2006" xmlns:mv="urn:schemas-microsoft-com:mac:vml" xmlns:c="http://schemas.openxmlformats.org/drawingml/2006/chart" xmlns:dgm="http://schemas.openxmlformats.org/drawingml/2006/diagram" xmlns:o="urn:schemas-microsoft-com:office:office" xmlns:v="urn:schemas-microsoft-com:vml" xmlns:pvml="urn:schemas-microsoft-com:office:powerpoint" xmlns:com="http://schemas.openxmlformats.org/drawingml/2006/compatibility" xmlns:p14="http://schemas.microsoft.com/office/powerpoint/2010/main" xmlns:p15="http://schemas.microsoft.com/office/powerpoint/2012/main" xmlns:ahyp="http://schemas.microsoft.com/office/drawing/2018/hyperlinkcolor" xmlns:go="http://customooxmlschemas.google.com/" r:id="rId20" roundtripDataSignature="AMtx7mi8k4vfTcigBOvi1GPtpHoS9j9jSA=="/>
+      <go:slidesCustomData xmlns:go="http://customooxmlschemas.google.com/" xmlns:ahyp="http://schemas.microsoft.com/office/drawing/2018/hyperlinkcolor" xmlns:p15="http://schemas.microsoft.com/office/powerpoint/2012/main" xmlns:p14="http://schemas.microsoft.com/office/powerpoint/2010/main" xmlns:com="http://schemas.openxmlformats.org/drawingml/2006/compatibility" xmlns:pvml="urn:schemas-microsoft-com:office:powerpoint" xmlns:v="urn:schemas-microsoft-com:vml" xmlns:o="urn:schemas-microsoft-com:office:office" xmlns:dgm="http://schemas.openxmlformats.org/drawingml/2006/diagram" xmlns:c="http://schemas.openxmlformats.org/drawingml/2006/chart" xmlns:mv="urn:schemas-microsoft-com:mac:vml" xmlns:mc="http://schemas.openxmlformats.org/markup-compatibility/2006" xmlns="" r:id="rId22" roundtripDataSignature="AMtx7mi8k4vfTcigBOvi1GPtpHoS9j9jSA=="/>
     </p:ext>
   </p:extLst>
 </p:presentation>
@@ -14587,7 +14589,7 @@
         </p:blipFill>
         <p:spPr bwMode="auto">
           <a:xfrm>
-            <a:off x="1365250" y="0"/>
+            <a:off x="1797439" y="0"/>
             <a:ext cx="6413500" cy="6858000"/>
           </a:xfrm>
           <a:prstGeom prst="rect">
@@ -14605,6 +14607,41 @@
           </a:extLst>
         </p:spPr>
       </p:pic>
+      <p:sp>
+        <p:nvSpPr>
+          <p:cNvPr id="2" name="TextBox 1">
+            <a:extLst>
+              <a:ext uri="{FF2B5EF4-FFF2-40B4-BE49-F238E27FC236}">
+                <a16:creationId xmlns:a16="http://schemas.microsoft.com/office/drawing/2014/main" id="{48D1D5A6-0ADD-2781-077D-78AA33424540}"/>
+              </a:ext>
+            </a:extLst>
+          </p:cNvPr>
+          <p:cNvSpPr txBox="1"/>
+          <p:nvPr/>
+        </p:nvSpPr>
+        <p:spPr>
+          <a:xfrm>
+            <a:off x="279918" y="503853"/>
+            <a:ext cx="1000595" cy="307777"/>
+          </a:xfrm>
+          <a:prstGeom prst="rect">
+            <a:avLst/>
+          </a:prstGeom>
+          <a:noFill/>
+        </p:spPr>
+        <p:txBody>
+          <a:bodyPr wrap="none" rtlCol="0">
+            <a:spAutoFit/>
+          </a:bodyPr>
+          <a:lstStyle/>
+          <a:p>
+            <a:r>
+              <a:rPr lang="en-IN" b="1" dirty="0"/>
+              <a:t>Heatmap:</a:t>
+            </a:r>
+          </a:p>
+        </p:txBody>
+      </p:sp>
     </p:spTree>
     <p:extLst>
       <p:ext uri="{BB962C8B-B14F-4D97-AF65-F5344CB8AC3E}">
@@ -14899,6 +14936,25 @@
               </a:rPr>
               <a:t>This index becomes an invaluable tool for understanding the overall soil health and determining appropriate strategies for optimizing crop cultivation and land management practices.</a:t>
             </a:r>
+          </a:p>
+          <a:p>
+            <a:pPr algn="just">
+              <a:lnSpc>
+                <a:spcPct val="150000"/>
+              </a:lnSpc>
+            </a:pPr>
+            <a:endParaRPr lang="en-GB" sz="1800" dirty="0">
+              <a:latin typeface="Times New Roman" panose="02020603050405020304" pitchFamily="18" charset="0"/>
+              <a:cs typeface="Times New Roman" panose="02020603050405020304" pitchFamily="18" charset="0"/>
+            </a:endParaRPr>
+          </a:p>
+          <a:p>
+            <a:pPr marL="114300" indent="0" algn="just">
+              <a:lnSpc>
+                <a:spcPct val="150000"/>
+              </a:lnSpc>
+              <a:buNone/>
+            </a:pPr>
             <a:endParaRPr lang="en-IN" sz="1800" dirty="0">
               <a:latin typeface="Times New Roman" panose="02020603050405020304" pitchFamily="18" charset="0"/>
               <a:cs typeface="Times New Roman" panose="02020603050405020304" pitchFamily="18" charset="0"/>
@@ -14958,6 +15014,237 @@
 </file>
 
 <file path=ppt/slides/slide16.xml><?xml version="1.0" encoding="utf-8"?>
+<p:sld xmlns:a="http://schemas.openxmlformats.org/drawingml/2006/main" xmlns:r="http://schemas.openxmlformats.org/officeDocument/2006/relationships" xmlns:p="http://schemas.openxmlformats.org/presentationml/2006/main">
+  <p:cSld>
+    <p:spTree>
+      <p:nvGrpSpPr>
+        <p:cNvPr id="1" name=""/>
+        <p:cNvGrpSpPr/>
+        <p:nvPr/>
+      </p:nvGrpSpPr>
+      <p:grpSpPr>
+        <a:xfrm>
+          <a:off x="0" y="0"/>
+          <a:ext cx="0" cy="0"/>
+          <a:chOff x="0" y="0"/>
+          <a:chExt cx="0" cy="0"/>
+        </a:xfrm>
+      </p:grpSpPr>
+      <p:sp>
+        <p:nvSpPr>
+          <p:cNvPr id="2" name="Title 1">
+            <a:extLst>
+              <a:ext uri="{FF2B5EF4-FFF2-40B4-BE49-F238E27FC236}">
+                <a16:creationId xmlns:a16="http://schemas.microsoft.com/office/drawing/2014/main" id="{791BC116-7312-1659-3036-BEFAB5EA3DC3}"/>
+              </a:ext>
+            </a:extLst>
+          </p:cNvPr>
+          <p:cNvSpPr>
+            <a:spLocks noGrp="1"/>
+          </p:cNvSpPr>
+          <p:nvPr>
+            <p:ph type="title"/>
+          </p:nvPr>
+        </p:nvSpPr>
+        <p:spPr>
+          <a:xfrm>
+            <a:off x="457200" y="56364"/>
+            <a:ext cx="8229600" cy="1143000"/>
+          </a:xfrm>
+        </p:spPr>
+        <p:txBody>
+          <a:bodyPr>
+            <a:normAutofit/>
+          </a:bodyPr>
+          <a:lstStyle/>
+          <a:p>
+            <a:r>
+              <a:rPr lang="en-IN" sz="3600" dirty="0"/>
+              <a:t>Final Output</a:t>
+            </a:r>
+          </a:p>
+        </p:txBody>
+      </p:sp>
+      <p:sp>
+        <p:nvSpPr>
+          <p:cNvPr id="4" name="Slide Number Placeholder 3">
+            <a:extLst>
+              <a:ext uri="{FF2B5EF4-FFF2-40B4-BE49-F238E27FC236}">
+                <a16:creationId xmlns:a16="http://schemas.microsoft.com/office/drawing/2014/main" id="{235807EC-92D4-AD4F-9B5F-B3204945A6B1}"/>
+              </a:ext>
+            </a:extLst>
+          </p:cNvPr>
+          <p:cNvSpPr>
+            <a:spLocks noGrp="1"/>
+          </p:cNvSpPr>
+          <p:nvPr>
+            <p:ph type="sldNum" idx="12"/>
+          </p:nvPr>
+        </p:nvSpPr>
+        <p:spPr/>
+        <p:txBody>
+          <a:bodyPr/>
+          <a:lstStyle/>
+          <a:p>
+            <a:pPr marL="0" lvl="0" indent="0" algn="r" rtl="0">
+              <a:spcBef>
+                <a:spcPts val="0"/>
+              </a:spcBef>
+              <a:spcAft>
+                <a:spcPts val="0"/>
+              </a:spcAft>
+              <a:buNone/>
+            </a:pPr>
+            <a:fld id="{00000000-1234-1234-1234-123412341234}" type="slidenum">
+              <a:rPr lang="en-US" smtClean="0"/>
+              <a:t>16</a:t>
+            </a:fld>
+            <a:endParaRPr lang="en-US"/>
+          </a:p>
+        </p:txBody>
+      </p:sp>
+      <p:pic>
+        <p:nvPicPr>
+          <p:cNvPr id="6" name="Picture 5">
+            <a:extLst>
+              <a:ext uri="{FF2B5EF4-FFF2-40B4-BE49-F238E27FC236}">
+                <a16:creationId xmlns:a16="http://schemas.microsoft.com/office/drawing/2014/main" id="{338F395F-5C93-DFEF-A6AB-04702D0D0E35}"/>
+              </a:ext>
+            </a:extLst>
+          </p:cNvPr>
+          <p:cNvPicPr>
+            <a:picLocks noChangeAspect="1"/>
+          </p:cNvPicPr>
+          <p:nvPr/>
+        </p:nvPicPr>
+        <p:blipFill>
+          <a:blip r:embed="rId2"/>
+          <a:stretch>
+            <a:fillRect/>
+          </a:stretch>
+        </p:blipFill>
+        <p:spPr>
+          <a:xfrm>
+            <a:off x="923732" y="1370321"/>
+            <a:ext cx="7436498" cy="4881189"/>
+          </a:xfrm>
+          <a:prstGeom prst="rect">
+            <a:avLst/>
+          </a:prstGeom>
+        </p:spPr>
+      </p:pic>
+    </p:spTree>
+    <p:extLst>
+      <p:ext uri="{BB962C8B-B14F-4D97-AF65-F5344CB8AC3E}">
+        <p14:creationId xmlns:p14="http://schemas.microsoft.com/office/powerpoint/2010/main" val="1062570356"/>
+      </p:ext>
+    </p:extLst>
+  </p:cSld>
+  <p:clrMapOvr>
+    <a:masterClrMapping/>
+  </p:clrMapOvr>
+</p:sld>
+</file>
+
+<file path=ppt/slides/slide17.xml><?xml version="1.0" encoding="utf-8"?>
+<p:sld xmlns:a="http://schemas.openxmlformats.org/drawingml/2006/main" xmlns:r="http://schemas.openxmlformats.org/officeDocument/2006/relationships" xmlns:p="http://schemas.openxmlformats.org/presentationml/2006/main">
+  <p:cSld>
+    <p:spTree>
+      <p:nvGrpSpPr>
+        <p:cNvPr id="1" name=""/>
+        <p:cNvGrpSpPr/>
+        <p:nvPr/>
+      </p:nvGrpSpPr>
+      <p:grpSpPr>
+        <a:xfrm>
+          <a:off x="0" y="0"/>
+          <a:ext cx="0" cy="0"/>
+          <a:chOff x="0" y="0"/>
+          <a:chExt cx="0" cy="0"/>
+        </a:xfrm>
+      </p:grpSpPr>
+      <p:sp>
+        <p:nvSpPr>
+          <p:cNvPr id="4" name="Slide Number Placeholder 3">
+            <a:extLst>
+              <a:ext uri="{FF2B5EF4-FFF2-40B4-BE49-F238E27FC236}">
+                <a16:creationId xmlns:a16="http://schemas.microsoft.com/office/drawing/2014/main" id="{C24FCD6C-A964-5987-A863-AFDE424B5B57}"/>
+              </a:ext>
+            </a:extLst>
+          </p:cNvPr>
+          <p:cNvSpPr>
+            <a:spLocks noGrp="1"/>
+          </p:cNvSpPr>
+          <p:nvPr>
+            <p:ph type="sldNum" idx="12"/>
+          </p:nvPr>
+        </p:nvSpPr>
+        <p:spPr/>
+        <p:txBody>
+          <a:bodyPr/>
+          <a:lstStyle/>
+          <a:p>
+            <a:pPr marL="0" lvl="0" indent="0" algn="r" rtl="0">
+              <a:spcBef>
+                <a:spcPts val="0"/>
+              </a:spcBef>
+              <a:spcAft>
+                <a:spcPts val="0"/>
+              </a:spcAft>
+              <a:buNone/>
+            </a:pPr>
+            <a:fld id="{00000000-1234-1234-1234-123412341234}" type="slidenum">
+              <a:rPr lang="en-US" smtClean="0"/>
+              <a:t>17</a:t>
+            </a:fld>
+            <a:endParaRPr lang="en-US"/>
+          </a:p>
+        </p:txBody>
+      </p:sp>
+      <p:pic>
+        <p:nvPicPr>
+          <p:cNvPr id="6" name="Picture 5">
+            <a:extLst>
+              <a:ext uri="{FF2B5EF4-FFF2-40B4-BE49-F238E27FC236}">
+                <a16:creationId xmlns:a16="http://schemas.microsoft.com/office/drawing/2014/main" id="{FBA0597D-3628-6F9A-9FC3-8C3FF4053ECC}"/>
+              </a:ext>
+            </a:extLst>
+          </p:cNvPr>
+          <p:cNvPicPr>
+            <a:picLocks noChangeAspect="1"/>
+          </p:cNvPicPr>
+          <p:nvPr/>
+        </p:nvPicPr>
+        <p:blipFill>
+          <a:blip r:embed="rId2"/>
+          <a:stretch>
+            <a:fillRect/>
+          </a:stretch>
+        </p:blipFill>
+        <p:spPr>
+          <a:xfrm>
+            <a:off x="391886" y="572808"/>
+            <a:ext cx="8294914" cy="5712384"/>
+          </a:xfrm>
+          <a:prstGeom prst="rect">
+            <a:avLst/>
+          </a:prstGeom>
+        </p:spPr>
+      </p:pic>
+    </p:spTree>
+    <p:extLst>
+      <p:ext uri="{BB962C8B-B14F-4D97-AF65-F5344CB8AC3E}">
+        <p14:creationId xmlns:p14="http://schemas.microsoft.com/office/powerpoint/2010/main" val="1503095857"/>
+      </p:ext>
+    </p:extLst>
+  </p:cSld>
+  <p:clrMapOvr>
+    <a:masterClrMapping/>
+  </p:clrMapOvr>
+</p:sld>
+</file>
+
+<file path=ppt/slides/slide18.xml><?xml version="1.0" encoding="utf-8"?>
 <p:sld xmlns:a="http://schemas.openxmlformats.org/drawingml/2006/main" xmlns:r="http://schemas.openxmlformats.org/officeDocument/2006/relationships" xmlns:p="http://schemas.openxmlformats.org/presentationml/2006/main">
   <p:cSld>
     <p:spTree>
@@ -15769,7 +16056,7 @@
             </a:pPr>
             <a:fld id="{00000000-1234-1234-1234-123412341234}" type="slidenum">
               <a:rPr lang="en-US"/>
-              <a:t>16</a:t>
+              <a:t>18</a:t>
             </a:fld>
             <a:endParaRPr/>
           </a:p>
@@ -15826,7 +16113,7 @@
 </p:sld>
 </file>
 
-<file path=ppt/slides/slide17.xml><?xml version="1.0" encoding="utf-8"?>
+<file path=ppt/slides/slide19.xml><?xml version="1.0" encoding="utf-8"?>
 <p:sld xmlns:a="http://schemas.openxmlformats.org/drawingml/2006/main" xmlns:r="http://schemas.openxmlformats.org/officeDocument/2006/relationships" xmlns:p="http://schemas.openxmlformats.org/presentationml/2006/main">
   <p:cSld>
     <p:spTree>
@@ -16631,7 +16918,7 @@
             </a:pPr>
             <a:fld id="{00000000-1234-1234-1234-123412341234}" type="slidenum">
               <a:rPr lang="en-US"/>
-              <a:t>17</a:t>
+              <a:t>19</a:t>
             </a:fld>
             <a:endParaRPr/>
           </a:p>
